--- a/documents/forschungspraxis/presentation.pptx
+++ b/documents/forschungspraxis/presentation.pptx
@@ -167,6 +167,9 @@
         </p15:guide>
       </p15:sldGuideLst>
     </p:ext>
+    <p:ext uri="{2D200454-40CA-4A62-9FC3-DE9A4176ACB9}">
+      <p15:notesGuideLst xmlns:p15="http://schemas.microsoft.com/office/powerpoint/2012/main"/>
+    </p:ext>
   </p:extLst>
 </p:presentation>
 </file>
@@ -243,7 +246,7 @@
               <a:cs typeface="+mn-cs"/>
             </a:defRPr>
           </a:pPr>
-          <a:endParaRPr lang="de-DE"/>
+          <a:endParaRPr lang="en-US"/>
         </a:p>
       </c:txPr>
     </c:title>
@@ -772,8 +775,8 @@
         </c:dLbls>
         <c:gapWidth val="219"/>
         <c:overlap val="-27"/>
-        <c:axId val="328634136"/>
-        <c:axId val="328632960"/>
+        <c:axId val="238545184"/>
+        <c:axId val="239305280"/>
         <c:extLst>
           <c:ext xmlns:c15="http://schemas.microsoft.com/office/drawing/2012/chart" uri="{02D57815-91ED-43cb-92C2-25804820EDAC}">
             <c15:filteredBarSeries>
@@ -988,7 +991,7 @@
         </c:extLst>
       </c:barChart>
       <c:catAx>
-        <c:axId val="328634136"/>
+        <c:axId val="238545184"/>
         <c:scaling>
           <c:orientation val="minMax"/>
         </c:scaling>
@@ -1028,10 +1031,10 @@
                 <a:cs typeface="+mn-cs"/>
               </a:defRPr>
             </a:pPr>
-            <a:endParaRPr lang="de-DE"/>
+            <a:endParaRPr lang="en-US"/>
           </a:p>
         </c:txPr>
-        <c:crossAx val="328632960"/>
+        <c:crossAx val="239305280"/>
         <c:crosses val="autoZero"/>
         <c:auto val="1"/>
         <c:lblAlgn val="ctr"/>
@@ -1039,7 +1042,7 @@
         <c:noMultiLvlLbl val="0"/>
       </c:catAx>
       <c:valAx>
-        <c:axId val="328632960"/>
+        <c:axId val="239305280"/>
         <c:scaling>
           <c:orientation val="minMax"/>
           <c:max val="4.0000000000000008E-2"/>
@@ -1089,10 +1092,10 @@
                 <a:cs typeface="+mn-cs"/>
               </a:defRPr>
             </a:pPr>
-            <a:endParaRPr lang="de-DE"/>
+            <a:endParaRPr lang="en-US"/>
           </a:p>
         </c:txPr>
-        <c:crossAx val="328634136"/>
+        <c:crossAx val="238545184"/>
         <c:crosses val="autoZero"/>
         <c:crossBetween val="between"/>
         <c:majorUnit val="1.0000000000000002E-2"/>
@@ -1133,7 +1136,7 @@
               <a:cs typeface="+mn-cs"/>
             </a:defRPr>
           </a:pPr>
-          <a:endParaRPr lang="de-DE"/>
+          <a:endParaRPr lang="en-US"/>
         </a:p>
       </c:txPr>
     </c:legend>
@@ -1155,7 +1158,7 @@
       <a:pPr>
         <a:defRPr/>
       </a:pPr>
-      <a:endParaRPr lang="de-DE"/>
+      <a:endParaRPr lang="en-US"/>
     </a:p>
   </c:txPr>
   <c:externalData r:id="rId4">
@@ -1236,7 +1239,7 @@
               <a:cs typeface="+mn-cs"/>
             </a:defRPr>
           </a:pPr>
-          <a:endParaRPr lang="de-DE"/>
+          <a:endParaRPr lang="en-US"/>
         </a:p>
       </c:txPr>
     </c:title>
@@ -1933,11 +1936,11 @@
         </c:dLbls>
         <c:gapWidth val="219"/>
         <c:overlap val="-27"/>
-        <c:axId val="324462608"/>
-        <c:axId val="318800832"/>
+        <c:axId val="239303320"/>
+        <c:axId val="238545968"/>
       </c:barChart>
       <c:catAx>
-        <c:axId val="324462608"/>
+        <c:axId val="239303320"/>
         <c:scaling>
           <c:orientation val="minMax"/>
         </c:scaling>
@@ -1977,10 +1980,10 @@
                 <a:cs typeface="+mn-cs"/>
               </a:defRPr>
             </a:pPr>
-            <a:endParaRPr lang="de-DE"/>
+            <a:endParaRPr lang="en-US"/>
           </a:p>
         </c:txPr>
-        <c:crossAx val="318800832"/>
+        <c:crossAx val="238545968"/>
         <c:crosses val="autoZero"/>
         <c:auto val="1"/>
         <c:lblAlgn val="ctr"/>
@@ -1988,7 +1991,7 @@
         <c:noMultiLvlLbl val="0"/>
       </c:catAx>
       <c:valAx>
-        <c:axId val="318800832"/>
+        <c:axId val="238545968"/>
         <c:scaling>
           <c:logBase val="10"/>
           <c:orientation val="minMax"/>
@@ -2037,10 +2040,10 @@
                 <a:cs typeface="+mn-cs"/>
               </a:defRPr>
             </a:pPr>
-            <a:endParaRPr lang="de-DE"/>
+            <a:endParaRPr lang="en-US"/>
           </a:p>
         </c:txPr>
-        <c:crossAx val="324462608"/>
+        <c:crossAx val="239303320"/>
         <c:crosses val="autoZero"/>
         <c:crossBetween val="between"/>
       </c:valAx>
@@ -2080,7 +2083,7 @@
               <a:cs typeface="+mn-cs"/>
             </a:defRPr>
           </a:pPr>
-          <a:endParaRPr lang="de-DE"/>
+          <a:endParaRPr lang="en-US"/>
         </a:p>
       </c:txPr>
     </c:legend>
@@ -2102,7 +2105,7 @@
       <a:pPr>
         <a:defRPr/>
       </a:pPr>
-      <a:endParaRPr lang="de-DE"/>
+      <a:endParaRPr lang="en-US"/>
     </a:p>
   </c:txPr>
   <c:externalData r:id="rId4">
@@ -2183,7 +2186,7 @@
               <a:cs typeface="+mn-cs"/>
             </a:defRPr>
           </a:pPr>
-          <a:endParaRPr lang="de-DE"/>
+          <a:endParaRPr lang="en-US"/>
         </a:p>
       </c:txPr>
     </c:title>
@@ -2285,11 +2288,11 @@
         </c:dLbls>
         <c:gapWidth val="219"/>
         <c:overlap val="-27"/>
-        <c:axId val="328198248"/>
-        <c:axId val="328197072"/>
+        <c:axId val="237003480"/>
+        <c:axId val="239306456"/>
       </c:barChart>
       <c:catAx>
-        <c:axId val="328198248"/>
+        <c:axId val="237003480"/>
         <c:scaling>
           <c:orientation val="minMax"/>
         </c:scaling>
@@ -2329,10 +2332,10 @@
                 <a:cs typeface="+mn-cs"/>
               </a:defRPr>
             </a:pPr>
-            <a:endParaRPr lang="de-DE"/>
+            <a:endParaRPr lang="en-US"/>
           </a:p>
         </c:txPr>
-        <c:crossAx val="328197072"/>
+        <c:crossAx val="239306456"/>
         <c:crosses val="autoZero"/>
         <c:auto val="1"/>
         <c:lblAlgn val="ctr"/>
@@ -2340,7 +2343,7 @@
         <c:noMultiLvlLbl val="0"/>
       </c:catAx>
       <c:valAx>
-        <c:axId val="328197072"/>
+        <c:axId val="239306456"/>
         <c:scaling>
           <c:orientation val="minMax"/>
           <c:max val="0.25"/>
@@ -2419,7 +2422,7 @@
                   <a:cs typeface="+mn-cs"/>
                 </a:defRPr>
               </a:pPr>
-              <a:endParaRPr lang="de-DE"/>
+              <a:endParaRPr lang="en-US"/>
             </a:p>
           </c:txPr>
         </c:title>
@@ -2451,10 +2454,10 @@
                 <a:cs typeface="+mn-cs"/>
               </a:defRPr>
             </a:pPr>
-            <a:endParaRPr lang="de-DE"/>
+            <a:endParaRPr lang="en-US"/>
           </a:p>
         </c:txPr>
-        <c:crossAx val="328198248"/>
+        <c:crossAx val="237003480"/>
         <c:crosses val="autoZero"/>
         <c:crossBetween val="between"/>
       </c:valAx>
@@ -2484,7 +2487,7 @@
       <a:pPr>
         <a:defRPr/>
       </a:pPr>
-      <a:endParaRPr lang="de-DE"/>
+      <a:endParaRPr lang="en-US"/>
     </a:p>
   </c:txPr>
   <c:externalData r:id="rId4">
@@ -4475,7 +4478,7 @@
         <p:nvSpPr>
           <p:cNvPr id="7172" name="Rectangle 4"/>
           <p:cNvSpPr>
-            <a:spLocks noChangeArrowheads="1" noTextEdit="1"/>
+            <a:spLocks noGrp="1" noRot="1" noChangeAspect="1" noChangeArrowheads="1" noTextEdit="1"/>
           </p:cNvSpPr>
           <p:nvPr>
             <p:ph type="sldImg" idx="2"/>
@@ -5137,7 +5140,7 @@
               <a:pPr>
                 <a:defRPr/>
               </a:pPr>
-              <a:t>08.09.2014</a:t>
+              <a:t>15.09.2014</a:t>
             </a:fld>
             <a:endParaRPr lang="de-DE" dirty="0"/>
           </a:p>
@@ -5543,7 +5546,7 @@
               <a:pPr>
                 <a:defRPr/>
               </a:pPr>
-              <a:t>08.09.2014</a:t>
+              <a:t>15.09.2014</a:t>
             </a:fld>
             <a:endParaRPr lang="de-DE" dirty="0"/>
           </a:p>
@@ -5897,7 +5900,7 @@
               <a:pPr>
                 <a:defRPr/>
               </a:pPr>
-              <a:t>08.09.2014</a:t>
+              <a:t>15.09.2014</a:t>
             </a:fld>
             <a:endParaRPr lang="de-DE" dirty="0"/>
           </a:p>
@@ -6836,7 +6839,7 @@
                 <a:latin typeface="+mn-lt"/>
                 <a:cs typeface="Arial" charset="0"/>
               </a:rPr>
-              <a:t>/??.09.2014</a:t>
+              <a:t>/16.09.2014</a:t>
             </a:r>
             <a:r>
               <a:rPr lang="de-DE" sz="1600" b="1" dirty="0" smtClean="0">
@@ -7080,13 +7083,6 @@
               </a:rPr>
               <a:t> Embedding Load Flow</a:t>
             </a:r>
-            <a:endParaRPr lang="de-DE" sz="3200" dirty="0" smtClean="0">
-              <a:solidFill>
-                <a:srgbClr val="0065BD"/>
-              </a:solidFill>
-              <a:latin typeface="+mj-lt"/>
-              <a:cs typeface="Arial" charset="0"/>
-            </a:endParaRPr>
           </a:p>
           <a:p>
             <a:pPr algn="ctr">
@@ -7134,11 +7130,6 @@
               </a:rPr>
               <a:t>Abschlusspräsentation Forschungspraxis</a:t>
             </a:r>
-            <a:endParaRPr lang="de-DE" altLang="de-DE" sz="2000" dirty="0" smtClean="0">
-              <a:solidFill>
-                <a:schemeClr val="bg2"/>
-              </a:solidFill>
-            </a:endParaRPr>
           </a:p>
         </p:txBody>
       </p:sp>
@@ -7246,7 +7237,6 @@
               <a:rPr lang="de-DE" altLang="de-DE" dirty="0" smtClean="0"/>
               <a:t>Ergebnisse</a:t>
             </a:r>
-            <a:endParaRPr lang="de-DE" altLang="de-DE" dirty="0" smtClean="0"/>
           </a:p>
         </p:txBody>
       </p:sp>
@@ -7273,7 +7263,7 @@
               <a:pPr>
                 <a:defRPr/>
               </a:pPr>
-              <a:t>08.09.2014</a:t>
+              <a:t>15.09.2014</a:t>
             </a:fld>
             <a:endParaRPr lang="de-DE" dirty="0"/>
           </a:p>
@@ -7522,7 +7512,6 @@
               <a:rPr lang="de-DE" altLang="de-DE" dirty="0" smtClean="0"/>
               <a:t>Ermittlung der Konvergenzgrenze</a:t>
             </a:r>
-            <a:endParaRPr lang="de-DE" altLang="de-DE" dirty="0" smtClean="0"/>
           </a:p>
         </p:txBody>
       </p:sp>
@@ -7549,7 +7538,7 @@
               <a:pPr>
                 <a:defRPr/>
               </a:pPr>
-              <a:t>08.09.2014</a:t>
+              <a:t>15.09.2014</a:t>
             </a:fld>
             <a:endParaRPr lang="de-DE" dirty="0"/>
           </a:p>
@@ -7859,7 +7848,6 @@
               <a:rPr lang="de-DE" altLang="de-DE" dirty="0" smtClean="0"/>
               <a:t>Ermittlung der Konvergenzgrenze</a:t>
             </a:r>
-            <a:endParaRPr lang="de-DE" altLang="de-DE" dirty="0" smtClean="0"/>
           </a:p>
         </p:txBody>
       </p:sp>
@@ -7886,7 +7874,7 @@
               <a:pPr>
                 <a:defRPr/>
               </a:pPr>
-              <a:t>08.09.2014</a:t>
+              <a:t>15.09.2014</a:t>
             </a:fld>
             <a:endParaRPr lang="de-DE" dirty="0"/>
           </a:p>
@@ -8135,7 +8123,6 @@
               <a:rPr lang="de-DE" altLang="de-DE" dirty="0" smtClean="0"/>
               <a:t>Fazit</a:t>
             </a:r>
-            <a:endParaRPr lang="de-DE" altLang="de-DE" dirty="0" smtClean="0"/>
           </a:p>
         </p:txBody>
       </p:sp>
@@ -8162,7 +8149,7 @@
               <a:pPr>
                 <a:defRPr/>
               </a:pPr>
-              <a:t>08.09.2014</a:t>
+              <a:t>15.09.2014</a:t>
             </a:fld>
             <a:endParaRPr lang="de-DE" dirty="0"/>
           </a:p>
@@ -8684,7 +8671,6 @@
               <a:rPr lang="de-DE" altLang="de-DE" dirty="0" smtClean="0"/>
               <a:t>Gliederung</a:t>
             </a:r>
-            <a:endParaRPr lang="de-DE" altLang="de-DE" dirty="0" smtClean="0"/>
           </a:p>
         </p:txBody>
       </p:sp>
@@ -8750,7 +8736,6 @@
               <a:rPr lang="de-DE" altLang="de-DE" dirty="0" smtClean="0"/>
               <a:t>Fazit</a:t>
             </a:r>
-            <a:endParaRPr lang="de-DE" altLang="de-DE" dirty="0" smtClean="0"/>
           </a:p>
         </p:txBody>
       </p:sp>
@@ -8777,7 +8762,7 @@
               <a:pPr>
                 <a:defRPr/>
               </a:pPr>
-              <a:t>08.09.2014</a:t>
+              <a:t>15.09.2014</a:t>
             </a:fld>
             <a:endParaRPr lang="de-DE" dirty="0"/>
           </a:p>
@@ -8991,7 +8976,6 @@
               <a:rPr lang="de-DE" altLang="de-DE" dirty="0" smtClean="0"/>
               <a:t>Lastflussproblem</a:t>
             </a:r>
-            <a:endParaRPr lang="de-DE" altLang="de-DE" dirty="0" smtClean="0"/>
           </a:p>
         </p:txBody>
       </p:sp>
@@ -9072,7 +9056,7 @@
               <a:pPr>
                 <a:defRPr/>
               </a:pPr>
-              <a:t>08.09.2014</a:t>
+              <a:t>15.09.2014</a:t>
             </a:fld>
             <a:endParaRPr lang="de-DE" dirty="0"/>
           </a:p>
@@ -9345,7 +9329,6 @@
               <a:rPr lang="de-DE" altLang="de-DE" dirty="0" smtClean="0"/>
               <a:t>Embedding</a:t>
             </a:r>
-            <a:endParaRPr lang="de-DE" altLang="de-DE" dirty="0" smtClean="0"/>
           </a:p>
         </p:txBody>
       </p:sp>
@@ -9408,7 +9391,7 @@
               <a:pPr>
                 <a:defRPr/>
               </a:pPr>
-              <a:t>08.09.2014</a:t>
+              <a:t>15.09.2014</a:t>
             </a:fld>
             <a:endParaRPr lang="de-DE" dirty="0"/>
           </a:p>
@@ -9785,7 +9768,6 @@
               <a:rPr lang="de-DE" altLang="de-DE" dirty="0" smtClean="0"/>
               <a:t>Berechnungsschritte</a:t>
             </a:r>
-            <a:endParaRPr lang="de-DE" altLang="de-DE" dirty="0" smtClean="0"/>
           </a:p>
         </p:txBody>
       </p:sp>
@@ -9875,7 +9857,7 @@
               <a:pPr>
                 <a:defRPr/>
               </a:pPr>
-              <a:t>08.09.2014</a:t>
+              <a:t>15.09.2014</a:t>
             </a:fld>
             <a:endParaRPr lang="de-DE" dirty="0"/>
           </a:p>
@@ -10124,7 +10106,6 @@
               <a:rPr lang="de-DE" altLang="de-DE" dirty="0" smtClean="0"/>
               <a:t>Implementierung</a:t>
             </a:r>
-            <a:endParaRPr lang="de-DE" altLang="de-DE" dirty="0" smtClean="0"/>
           </a:p>
         </p:txBody>
       </p:sp>
@@ -10198,7 +10179,6 @@
               <a:rPr lang="de-DE" altLang="de-DE" dirty="0" smtClean="0"/>
               <a:t>Berechnung der Knotenspannungen</a:t>
             </a:r>
-            <a:endParaRPr lang="de-DE" altLang="de-DE" dirty="0" smtClean="0"/>
           </a:p>
         </p:txBody>
       </p:sp>
@@ -10225,7 +10205,7 @@
               <a:pPr>
                 <a:defRPr/>
               </a:pPr>
-              <a:t>08.09.2014</a:t>
+              <a:t>15.09.2014</a:t>
             </a:fld>
             <a:endParaRPr lang="de-DE" dirty="0"/>
           </a:p>
@@ -10450,7 +10430,6 @@
               <a:rPr lang="de-DE" altLang="de-DE" dirty="0" smtClean="0"/>
               <a:t>Implementierung</a:t>
             </a:r>
-            <a:endParaRPr lang="de-DE" altLang="de-DE" dirty="0" smtClean="0"/>
           </a:p>
         </p:txBody>
       </p:sp>
@@ -10568,8 +10547,47 @@
             </a:pPr>
             <a:r>
               <a:rPr lang="de-DE" altLang="de-DE" dirty="0" smtClean="0"/>
-              <a:t>HELM, 64 Bit Genauigkeit</a:t>
+              <a:t>HELM, 64 Bit </a:t>
             </a:r>
+            <a:r>
+              <a:rPr lang="de-DE" altLang="de-DE" dirty="0"/>
+              <a:t>Genauigkeit</a:t>
+            </a:r>
+          </a:p>
+          <a:p>
+            <a:pPr>
+              <a:spcAft>
+                <a:spcPts val="0"/>
+              </a:spcAft>
+              <a:buFont typeface="Arial" panose="020B0604020202020204" pitchFamily="34" charset="0"/>
+              <a:buChar char="•"/>
+            </a:pPr>
+            <a:r>
+              <a:rPr lang="de-DE" altLang="de-DE" dirty="0"/>
+              <a:t>HELM mit Stromiteration</a:t>
+            </a:r>
+          </a:p>
+          <a:p>
+            <a:pPr>
+              <a:spcAft>
+                <a:spcPts val="0"/>
+              </a:spcAft>
+              <a:buFont typeface="Arial" panose="020B0604020202020204" pitchFamily="34" charset="0"/>
+              <a:buChar char="•"/>
+            </a:pPr>
+            <a:r>
+              <a:rPr lang="de-DE" altLang="de-DE" dirty="0"/>
+              <a:t>HELM mit </a:t>
+            </a:r>
+            <a:r>
+              <a:rPr lang="de-DE" altLang="de-DE" dirty="0" smtClean="0"/>
+              <a:t>Newton-</a:t>
+            </a:r>
+            <a:r>
+              <a:rPr lang="de-DE" altLang="de-DE" dirty="0" err="1" smtClean="0"/>
+              <a:t>Raphson</a:t>
+            </a:r>
+            <a:endParaRPr lang="de-DE" altLang="de-DE" dirty="0" smtClean="0"/>
           </a:p>
           <a:p>
             <a:pPr>
@@ -10581,7 +10599,11 @@
             </a:pPr>
             <a:r>
               <a:rPr lang="de-DE" altLang="de-DE" dirty="0" smtClean="0"/>
-              <a:t>HELM, beliebige Genauigkeit</a:t>
+              <a:t>HELM, beliebige </a:t>
+            </a:r>
+            <a:r>
+              <a:rPr lang="de-DE" altLang="de-DE" dirty="0" smtClean="0"/>
+              <a:t>Genauigkeit</a:t>
             </a:r>
             <a:endParaRPr lang="de-DE" altLang="de-DE" dirty="0" smtClean="0"/>
           </a:p>
@@ -10610,7 +10632,7 @@
               <a:pPr>
                 <a:defRPr/>
               </a:pPr>
-              <a:t>08.09.2014</a:t>
+              <a:t>15.09.2014</a:t>
             </a:fld>
             <a:endParaRPr lang="de-DE" dirty="0"/>
           </a:p>
@@ -10835,7 +10857,6 @@
               <a:rPr lang="de-DE" altLang="de-DE" dirty="0" smtClean="0"/>
               <a:t>Ergebnisse</a:t>
             </a:r>
-            <a:endParaRPr lang="de-DE" altLang="de-DE" dirty="0" smtClean="0"/>
           </a:p>
         </p:txBody>
       </p:sp>
@@ -10862,7 +10883,7 @@
               <a:pPr>
                 <a:defRPr/>
               </a:pPr>
-              <a:t>08.09.2014</a:t>
+              <a:t>15.09.2014</a:t>
             </a:fld>
             <a:endParaRPr lang="de-DE" dirty="0"/>
           </a:p>
@@ -11222,7 +11243,6 @@
               <a:rPr lang="de-DE" altLang="de-DE" dirty="0" smtClean="0"/>
               <a:t>Exakte Ergebnisse sind bekannt</a:t>
             </a:r>
-            <a:endParaRPr lang="de-DE" altLang="de-DE" dirty="0" smtClean="0"/>
           </a:p>
         </p:txBody>
       </p:sp>
@@ -11282,7 +11302,6 @@
               <a:rPr lang="de-DE" altLang="de-DE" dirty="0" smtClean="0"/>
               <a:t>Ergebnisse</a:t>
             </a:r>
-            <a:endParaRPr lang="de-DE" altLang="de-DE" dirty="0" smtClean="0"/>
           </a:p>
         </p:txBody>
       </p:sp>
@@ -11309,7 +11328,7 @@
               <a:pPr>
                 <a:defRPr/>
               </a:pPr>
-              <a:t>08.09.2014</a:t>
+              <a:t>15.09.2014</a:t>
             </a:fld>
             <a:endParaRPr lang="de-DE" dirty="0"/>
           </a:p>
